--- a/SistemaGestionReciclaje.pptx
+++ b/SistemaGestionReciclaje.pptx
@@ -13,16 +13,19 @@
     <p:sldId id="258" r:id="rId8"/>
     <p:sldId id="259" r:id="rId9"/>
     <p:sldId id="260" r:id="rId10"/>
+    <p:sldId id="261" r:id="rId11"/>
+    <p:sldId id="262" r:id="rId12"/>
+    <p:sldId id="263" r:id="rId13"/>
   </p:sldIdLst>
   <p:sldSz cy="5143500" cx="9144000"/>
   <p:notesSz cx="6858000" cy="9144000"/>
   <p:embeddedFontLst>
     <p:embeddedFont>
       <p:font typeface="Nunito"/>
-      <p:regular r:id="rId11"/>
-      <p:bold r:id="rId12"/>
-      <p:italic r:id="rId13"/>
-      <p:boldItalic r:id="rId14"/>
+      <p:regular r:id="rId14"/>
+      <p:bold r:id="rId15"/>
+      <p:italic r:id="rId16"/>
+      <p:boldItalic r:id="rId17"/>
     </p:embeddedFont>
   </p:embeddedFontLst>
   <p:defaultTextStyle>
@@ -916,7 +919,7 @@
       </p:grpSpPr>
       <p:sp>
         <p:nvSpPr>
-          <p:cNvPr id="137" name="Google Shape;137;g35a97091d2d_0_1:notes"/>
+          <p:cNvPr id="137" name="Google Shape;137;g351344c832c_0_6:notes"/>
           <p:cNvSpPr/>
           <p:nvPr>
             <p:ph idx="2" type="sldImg"/>
@@ -951,7 +954,7 @@
       </p:sp>
       <p:sp>
         <p:nvSpPr>
-          <p:cNvPr id="138" name="Google Shape;138;g35a97091d2d_0_1:notes"/>
+          <p:cNvPr id="138" name="Google Shape;138;g351344c832c_0_6:notes"/>
           <p:cNvSpPr txBox="1"/>
           <p:nvPr>
             <p:ph idx="1" type="body"/>
@@ -1001,7 +1004,7 @@
   <p:cSld>
     <p:spTree>
       <p:nvGrpSpPr>
-        <p:cNvPr id="143" name="Shape 143"/>
+        <p:cNvPr id="141" name="Shape 141"/>
         <p:cNvGrpSpPr/>
         <p:nvPr/>
       </p:nvGrpSpPr>
@@ -1015,7 +1018,7 @@
       </p:grpSpPr>
       <p:sp>
         <p:nvSpPr>
-          <p:cNvPr id="144" name="Google Shape;144;g351344c832c_0_6:notes"/>
+          <p:cNvPr id="142" name="Google Shape;142;g351238154c6_0_5:notes"/>
           <p:cNvSpPr/>
           <p:nvPr>
             <p:ph idx="2" type="sldImg"/>
@@ -1050,7 +1053,7 @@
       </p:sp>
       <p:sp>
         <p:nvSpPr>
-          <p:cNvPr id="145" name="Google Shape;145;g351344c832c_0_6:notes"/>
+          <p:cNvPr id="143" name="Google Shape;143;g351238154c6_0_5:notes"/>
           <p:cNvSpPr txBox="1"/>
           <p:nvPr>
             <p:ph idx="1" type="body"/>
@@ -1100,7 +1103,7 @@
   <p:cSld>
     <p:spTree>
       <p:nvGrpSpPr>
-        <p:cNvPr id="148" name="Shape 148"/>
+        <p:cNvPr id="147" name="Shape 147"/>
         <p:cNvGrpSpPr/>
         <p:nvPr/>
       </p:nvGrpSpPr>
@@ -1114,7 +1117,7 @@
       </p:grpSpPr>
       <p:sp>
         <p:nvSpPr>
-          <p:cNvPr id="149" name="Google Shape;149;g351238154c6_0_5:notes"/>
+          <p:cNvPr id="148" name="Google Shape;148;g369bfcacc6a_0_11:notes"/>
           <p:cNvSpPr/>
           <p:nvPr>
             <p:ph idx="2" type="sldImg"/>
@@ -1149,7 +1152,304 @@
       </p:sp>
       <p:sp>
         <p:nvSpPr>
-          <p:cNvPr id="150" name="Google Shape;150;g351238154c6_0_5:notes"/>
+          <p:cNvPr id="149" name="Google Shape;149;g369bfcacc6a_0_11:notes"/>
+          <p:cNvSpPr txBox="1"/>
+          <p:nvPr>
+            <p:ph idx="1" type="body"/>
+          </p:nvPr>
+        </p:nvSpPr>
+        <p:spPr>
+          <a:xfrm>
+            <a:off x="685800" y="4343400"/>
+            <a:ext cx="5486400" cy="4114800"/>
+          </a:xfrm>
+          <a:prstGeom prst="rect">
+            <a:avLst/>
+          </a:prstGeom>
+        </p:spPr>
+        <p:txBody>
+          <a:bodyPr anchorCtr="0" anchor="t" bIns="91425" lIns="91425" spcFirstLastPara="1" rIns="91425" wrap="square" tIns="91425">
+            <a:noAutofit/>
+          </a:bodyPr>
+          <a:lstStyle/>
+          <a:p>
+            <a:pPr indent="0" lvl="0" marL="0" rtl="0" algn="l">
+              <a:spcBef>
+                <a:spcPts val="0"/>
+              </a:spcBef>
+              <a:spcAft>
+                <a:spcPts val="0"/>
+              </a:spcAft>
+              <a:buNone/>
+            </a:pPr>
+            <a:r>
+              <a:t/>
+            </a:r>
+            <a:endParaRPr/>
+          </a:p>
+        </p:txBody>
+      </p:sp>
+    </p:spTree>
+  </p:cSld>
+  <p:clrMapOvr>
+    <a:masterClrMapping/>
+  </p:clrMapOvr>
+</p:notes>
+</file>
+
+<file path=ppt/notesSlides/notesSlide6.xml><?xml version="1.0" encoding="utf-8"?>
+<p:notes xmlns:a="http://schemas.openxmlformats.org/drawingml/2006/main" xmlns:r="http://schemas.openxmlformats.org/officeDocument/2006/relationships" xmlns:mc="http://schemas.openxmlformats.org/markup-compatibility/2006" xmlns:mv="urn:schemas-microsoft-com:mac:vml" xmlns:p="http://schemas.openxmlformats.org/presentationml/2006/main" xmlns:c="http://schemas.openxmlformats.org/drawingml/2006/chart" xmlns:dgm="http://schemas.openxmlformats.org/drawingml/2006/diagram" xmlns:o="urn:schemas-microsoft-com:office:office" xmlns:v="urn:schemas-microsoft-com:vml" xmlns:pvml="urn:schemas-microsoft-com:office:powerpoint" xmlns:com="http://schemas.openxmlformats.org/drawingml/2006/compatibility" xmlns:p14="http://schemas.microsoft.com/office/powerpoint/2010/main" xmlns:p15="http://schemas.microsoft.com/office/powerpoint/2012/main" xmlns:ahyp="http://schemas.microsoft.com/office/drawing/2018/hyperlinkcolor" showMasterPhAnim="0" showMasterSp="0">
+  <p:cSld>
+    <p:spTree>
+      <p:nvGrpSpPr>
+        <p:cNvPr id="154" name="Shape 154"/>
+        <p:cNvGrpSpPr/>
+        <p:nvPr/>
+      </p:nvGrpSpPr>
+      <p:grpSpPr>
+        <a:xfrm>
+          <a:off x="0" y="0"/>
+          <a:ext cx="0" cy="0"/>
+          <a:chOff x="0" y="0"/>
+          <a:chExt cx="0" cy="0"/>
+        </a:xfrm>
+      </p:grpSpPr>
+      <p:sp>
+        <p:nvSpPr>
+          <p:cNvPr id="155" name="Google Shape;155;g369bfcacc6a_0_5:notes"/>
+          <p:cNvSpPr/>
+          <p:nvPr>
+            <p:ph idx="2" type="sldImg"/>
+          </p:nvPr>
+        </p:nvSpPr>
+        <p:spPr>
+          <a:xfrm>
+            <a:off x="381300" y="685800"/>
+            <a:ext cx="6096000" cy="3429000"/>
+          </a:xfrm>
+          <a:custGeom>
+            <a:rect b="b" l="l" r="r" t="t"/>
+            <a:pathLst>
+              <a:path extrusionOk="0" h="120000" w="120000">
+                <a:moveTo>
+                  <a:pt x="0" y="0"/>
+                </a:moveTo>
+                <a:lnTo>
+                  <a:pt x="120000" y="0"/>
+                </a:lnTo>
+                <a:lnTo>
+                  <a:pt x="120000" y="120000"/>
+                </a:lnTo>
+                <a:lnTo>
+                  <a:pt x="0" y="120000"/>
+                </a:lnTo>
+                <a:close/>
+              </a:path>
+            </a:pathLst>
+          </a:custGeom>
+        </p:spPr>
+      </p:sp>
+      <p:sp>
+        <p:nvSpPr>
+          <p:cNvPr id="156" name="Google Shape;156;g369bfcacc6a_0_5:notes"/>
+          <p:cNvSpPr txBox="1"/>
+          <p:nvPr>
+            <p:ph idx="1" type="body"/>
+          </p:nvPr>
+        </p:nvSpPr>
+        <p:spPr>
+          <a:xfrm>
+            <a:off x="685800" y="4343400"/>
+            <a:ext cx="5486400" cy="4114800"/>
+          </a:xfrm>
+          <a:prstGeom prst="rect">
+            <a:avLst/>
+          </a:prstGeom>
+        </p:spPr>
+        <p:txBody>
+          <a:bodyPr anchorCtr="0" anchor="t" bIns="91425" lIns="91425" spcFirstLastPara="1" rIns="91425" wrap="square" tIns="91425">
+            <a:noAutofit/>
+          </a:bodyPr>
+          <a:lstStyle/>
+          <a:p>
+            <a:pPr indent="0" lvl="0" marL="0" rtl="0" algn="l">
+              <a:spcBef>
+                <a:spcPts val="0"/>
+              </a:spcBef>
+              <a:spcAft>
+                <a:spcPts val="0"/>
+              </a:spcAft>
+              <a:buNone/>
+            </a:pPr>
+            <a:r>
+              <a:t/>
+            </a:r>
+            <a:endParaRPr/>
+          </a:p>
+        </p:txBody>
+      </p:sp>
+    </p:spTree>
+  </p:cSld>
+  <p:clrMapOvr>
+    <a:masterClrMapping/>
+  </p:clrMapOvr>
+</p:notes>
+</file>
+
+<file path=ppt/notesSlides/notesSlide7.xml><?xml version="1.0" encoding="utf-8"?>
+<p:notes xmlns:a="http://schemas.openxmlformats.org/drawingml/2006/main" xmlns:r="http://schemas.openxmlformats.org/officeDocument/2006/relationships" xmlns:mc="http://schemas.openxmlformats.org/markup-compatibility/2006" xmlns:mv="urn:schemas-microsoft-com:mac:vml" xmlns:p="http://schemas.openxmlformats.org/presentationml/2006/main" xmlns:c="http://schemas.openxmlformats.org/drawingml/2006/chart" xmlns:dgm="http://schemas.openxmlformats.org/drawingml/2006/diagram" xmlns:o="urn:schemas-microsoft-com:office:office" xmlns:v="urn:schemas-microsoft-com:vml" xmlns:pvml="urn:schemas-microsoft-com:office:powerpoint" xmlns:com="http://schemas.openxmlformats.org/drawingml/2006/compatibility" xmlns:p14="http://schemas.microsoft.com/office/powerpoint/2010/main" xmlns:p15="http://schemas.microsoft.com/office/powerpoint/2012/main" xmlns:ahyp="http://schemas.microsoft.com/office/drawing/2018/hyperlinkcolor" showMasterPhAnim="0" showMasterSp="0">
+  <p:cSld>
+    <p:spTree>
+      <p:nvGrpSpPr>
+        <p:cNvPr id="161" name="Shape 161"/>
+        <p:cNvGrpSpPr/>
+        <p:nvPr/>
+      </p:nvGrpSpPr>
+      <p:grpSpPr>
+        <a:xfrm>
+          <a:off x="0" y="0"/>
+          <a:ext cx="0" cy="0"/>
+          <a:chOff x="0" y="0"/>
+          <a:chExt cx="0" cy="0"/>
+        </a:xfrm>
+      </p:grpSpPr>
+      <p:sp>
+        <p:nvSpPr>
+          <p:cNvPr id="162" name="Google Shape;162;g369bfcacc6a_0_0:notes"/>
+          <p:cNvSpPr/>
+          <p:nvPr>
+            <p:ph idx="2" type="sldImg"/>
+          </p:nvPr>
+        </p:nvSpPr>
+        <p:spPr>
+          <a:xfrm>
+            <a:off x="381300" y="685800"/>
+            <a:ext cx="6096000" cy="3429000"/>
+          </a:xfrm>
+          <a:custGeom>
+            <a:rect b="b" l="l" r="r" t="t"/>
+            <a:pathLst>
+              <a:path extrusionOk="0" h="120000" w="120000">
+                <a:moveTo>
+                  <a:pt x="0" y="0"/>
+                </a:moveTo>
+                <a:lnTo>
+                  <a:pt x="120000" y="0"/>
+                </a:lnTo>
+                <a:lnTo>
+                  <a:pt x="120000" y="120000"/>
+                </a:lnTo>
+                <a:lnTo>
+                  <a:pt x="0" y="120000"/>
+                </a:lnTo>
+                <a:close/>
+              </a:path>
+            </a:pathLst>
+          </a:custGeom>
+        </p:spPr>
+      </p:sp>
+      <p:sp>
+        <p:nvSpPr>
+          <p:cNvPr id="163" name="Google Shape;163;g369bfcacc6a_0_0:notes"/>
+          <p:cNvSpPr txBox="1"/>
+          <p:nvPr>
+            <p:ph idx="1" type="body"/>
+          </p:nvPr>
+        </p:nvSpPr>
+        <p:spPr>
+          <a:xfrm>
+            <a:off x="685800" y="4343400"/>
+            <a:ext cx="5486400" cy="4114800"/>
+          </a:xfrm>
+          <a:prstGeom prst="rect">
+            <a:avLst/>
+          </a:prstGeom>
+        </p:spPr>
+        <p:txBody>
+          <a:bodyPr anchorCtr="0" anchor="t" bIns="91425" lIns="91425" spcFirstLastPara="1" rIns="91425" wrap="square" tIns="91425">
+            <a:noAutofit/>
+          </a:bodyPr>
+          <a:lstStyle/>
+          <a:p>
+            <a:pPr indent="0" lvl="0" marL="0" rtl="0" algn="l">
+              <a:spcBef>
+                <a:spcPts val="0"/>
+              </a:spcBef>
+              <a:spcAft>
+                <a:spcPts val="0"/>
+              </a:spcAft>
+              <a:buNone/>
+            </a:pPr>
+            <a:r>
+              <a:t/>
+            </a:r>
+            <a:endParaRPr/>
+          </a:p>
+        </p:txBody>
+      </p:sp>
+    </p:spTree>
+  </p:cSld>
+  <p:clrMapOvr>
+    <a:masterClrMapping/>
+  </p:clrMapOvr>
+</p:notes>
+</file>
+
+<file path=ppt/notesSlides/notesSlide8.xml><?xml version="1.0" encoding="utf-8"?>
+<p:notes xmlns:a="http://schemas.openxmlformats.org/drawingml/2006/main" xmlns:r="http://schemas.openxmlformats.org/officeDocument/2006/relationships" xmlns:mc="http://schemas.openxmlformats.org/markup-compatibility/2006" xmlns:mv="urn:schemas-microsoft-com:mac:vml" xmlns:p="http://schemas.openxmlformats.org/presentationml/2006/main" xmlns:c="http://schemas.openxmlformats.org/drawingml/2006/chart" xmlns:dgm="http://schemas.openxmlformats.org/drawingml/2006/diagram" xmlns:o="urn:schemas-microsoft-com:office:office" xmlns:v="urn:schemas-microsoft-com:vml" xmlns:pvml="urn:schemas-microsoft-com:office:powerpoint" xmlns:com="http://schemas.openxmlformats.org/drawingml/2006/compatibility" xmlns:p14="http://schemas.microsoft.com/office/powerpoint/2010/main" xmlns:p15="http://schemas.microsoft.com/office/powerpoint/2012/main" xmlns:ahyp="http://schemas.microsoft.com/office/drawing/2018/hyperlinkcolor" showMasterPhAnim="0" showMasterSp="0">
+  <p:cSld>
+    <p:spTree>
+      <p:nvGrpSpPr>
+        <p:cNvPr id="169" name="Shape 169"/>
+        <p:cNvGrpSpPr/>
+        <p:nvPr/>
+      </p:nvGrpSpPr>
+      <p:grpSpPr>
+        <a:xfrm>
+          <a:off x="0" y="0"/>
+          <a:ext cx="0" cy="0"/>
+          <a:chOff x="0" y="0"/>
+          <a:chExt cx="0" cy="0"/>
+        </a:xfrm>
+      </p:grpSpPr>
+      <p:sp>
+        <p:nvSpPr>
+          <p:cNvPr id="170" name="Google Shape;170;g369bfcacc6a_5_6:notes"/>
+          <p:cNvSpPr/>
+          <p:nvPr>
+            <p:ph idx="2" type="sldImg"/>
+          </p:nvPr>
+        </p:nvSpPr>
+        <p:spPr>
+          <a:xfrm>
+            <a:off x="381300" y="685800"/>
+            <a:ext cx="6096000" cy="3429000"/>
+          </a:xfrm>
+          <a:custGeom>
+            <a:rect b="b" l="l" r="r" t="t"/>
+            <a:pathLst>
+              <a:path extrusionOk="0" h="120000" w="120000">
+                <a:moveTo>
+                  <a:pt x="0" y="0"/>
+                </a:moveTo>
+                <a:lnTo>
+                  <a:pt x="120000" y="0"/>
+                </a:lnTo>
+                <a:lnTo>
+                  <a:pt x="120000" y="120000"/>
+                </a:lnTo>
+                <a:lnTo>
+                  <a:pt x="0" y="120000"/>
+                </a:lnTo>
+                <a:close/>
+              </a:path>
+            </a:pathLst>
+          </a:custGeom>
+        </p:spPr>
+      </p:sp>
+      <p:sp>
+        <p:nvSpPr>
+          <p:cNvPr id="171" name="Google Shape;171;g369bfcacc6a_5_6:notes"/>
           <p:cNvSpPr txBox="1"/>
           <p:nvPr>
             <p:ph idx="1" type="body"/>
@@ -9572,7 +9872,7 @@
       </p:grpSpPr>
       <p:pic>
         <p:nvPicPr>
-          <p:cNvPr id="140" name="Google Shape;140;p15"/>
+          <p:cNvPr id="140" name="Google Shape;140;p15" title="base_datos_g1 - public.png"/>
           <p:cNvPicPr preferRelativeResize="0"/>
           <p:nvPr/>
         </p:nvPicPr>
@@ -9586,329 +9886,8 @@
         </p:blipFill>
         <p:spPr>
           <a:xfrm>
-            <a:off x="5079976" y="2460350"/>
-            <a:ext cx="3878026" cy="2423750"/>
-          </a:xfrm>
-          <a:prstGeom prst="rect">
-            <a:avLst/>
-          </a:prstGeom>
-          <a:noFill/>
-          <a:ln>
-            <a:noFill/>
-          </a:ln>
-        </p:spPr>
-      </p:pic>
-      <p:sp>
-        <p:nvSpPr>
-          <p:cNvPr id="141" name="Google Shape;141;p15"/>
-          <p:cNvSpPr txBox="1"/>
-          <p:nvPr>
-            <p:ph type="title"/>
-          </p:nvPr>
-        </p:nvSpPr>
-        <p:spPr>
-          <a:xfrm>
-            <a:off x="2202150" y="579375"/>
-            <a:ext cx="4739700" cy="954600"/>
-          </a:xfrm>
-          <a:prstGeom prst="rect">
-            <a:avLst/>
-          </a:prstGeom>
-        </p:spPr>
-        <p:txBody>
-          <a:bodyPr anchorCtr="0" anchor="t" bIns="91425" lIns="91425" spcFirstLastPara="1" rIns="91425" wrap="square" tIns="91425">
-            <a:normAutofit/>
-          </a:bodyPr>
-          <a:lstStyle/>
-          <a:p>
-            <a:pPr indent="0" lvl="0" marL="0" rtl="0" algn="l">
-              <a:spcBef>
-                <a:spcPts val="0"/>
-              </a:spcBef>
-              <a:spcAft>
-                <a:spcPts val="0"/>
-              </a:spcAft>
-              <a:buNone/>
-            </a:pPr>
-            <a:r>
-              <a:rPr lang="es"/>
-              <a:t>Ejemplo de una llama SQL</a:t>
-            </a:r>
-            <a:endParaRPr/>
-          </a:p>
-        </p:txBody>
-      </p:sp>
-      <p:sp>
-        <p:nvSpPr>
-          <p:cNvPr id="142" name="Google Shape;142;p15"/>
-          <p:cNvSpPr txBox="1"/>
-          <p:nvPr>
-            <p:ph idx="1" type="body"/>
-          </p:nvPr>
-        </p:nvSpPr>
-        <p:spPr>
-          <a:xfrm>
-            <a:off x="180200" y="1383750"/>
-            <a:ext cx="5977200" cy="2376000"/>
-          </a:xfrm>
-          <a:prstGeom prst="rect">
-            <a:avLst/>
-          </a:prstGeom>
-        </p:spPr>
-        <p:txBody>
-          <a:bodyPr anchorCtr="0" anchor="t" bIns="91425" lIns="91425" spcFirstLastPara="1" rIns="91425" wrap="square" tIns="91425">
-            <a:noAutofit/>
-          </a:bodyPr>
-          <a:lstStyle/>
-          <a:p>
-            <a:pPr indent="0" lvl="0" marL="0" rtl="0" algn="l">
-              <a:spcBef>
-                <a:spcPts val="0"/>
-              </a:spcBef>
-              <a:spcAft>
-                <a:spcPts val="0"/>
-              </a:spcAft>
-              <a:buNone/>
-            </a:pPr>
-            <a:r>
-              <a:rPr lang="es" sz="1400">
-                <a:solidFill>
-                  <a:schemeClr val="lt1"/>
-                </a:solidFill>
-              </a:rPr>
-              <a:t>SELECT</a:t>
-            </a:r>
-            <a:r>
-              <a:rPr lang="es" sz="1400"/>
-              <a:t>   p.zona, </a:t>
-            </a:r>
-            <a:r>
-              <a:rPr lang="es" sz="1400">
-                <a:solidFill>
-                  <a:schemeClr val="lt1"/>
-                </a:solidFill>
-              </a:rPr>
-              <a:t>SUM</a:t>
-            </a:r>
-            <a:r>
-              <a:rPr lang="es" sz="1400"/>
-              <a:t>(r.peso_kg) </a:t>
-            </a:r>
-            <a:r>
-              <a:rPr lang="es" sz="1400">
-                <a:solidFill>
-                  <a:schemeClr val="lt1"/>
-                </a:solidFill>
-              </a:rPr>
-              <a:t>AS</a:t>
-            </a:r>
-            <a:r>
-              <a:rPr lang="es" sz="1400"/>
-              <a:t> total_kg</a:t>
-            </a:r>
-            <a:endParaRPr sz="1400"/>
-          </a:p>
-          <a:p>
-            <a:pPr indent="0" lvl="0" marL="0" rtl="0" algn="l">
-              <a:spcBef>
-                <a:spcPts val="1200"/>
-              </a:spcBef>
-              <a:spcAft>
-                <a:spcPts val="0"/>
-              </a:spcAft>
-              <a:buNone/>
-            </a:pPr>
-            <a:r>
-              <a:rPr lang="es" sz="1400">
-                <a:solidFill>
-                  <a:schemeClr val="lt1"/>
-                </a:solidFill>
-              </a:rPr>
-              <a:t>FROM</a:t>
-            </a:r>
-            <a:r>
-              <a:rPr lang="es" sz="1400"/>
-              <a:t> recolecciones r</a:t>
-            </a:r>
-            <a:endParaRPr sz="1400"/>
-          </a:p>
-          <a:p>
-            <a:pPr indent="0" lvl="0" marL="0" rtl="0" algn="l">
-              <a:spcBef>
-                <a:spcPts val="1200"/>
-              </a:spcBef>
-              <a:spcAft>
-                <a:spcPts val="0"/>
-              </a:spcAft>
-              <a:buNone/>
-            </a:pPr>
-            <a:r>
-              <a:rPr lang="es" sz="1400">
-                <a:solidFill>
-                  <a:schemeClr val="lt1"/>
-                </a:solidFill>
-              </a:rPr>
-              <a:t>JOIN</a:t>
-            </a:r>
-            <a:r>
-              <a:rPr lang="es" sz="1400"/>
-              <a:t> puntos_recoleccion p </a:t>
-            </a:r>
-            <a:r>
-              <a:rPr lang="es" sz="1400">
-                <a:solidFill>
-                  <a:schemeClr val="lt1"/>
-                </a:solidFill>
-              </a:rPr>
-              <a:t>ON</a:t>
-            </a:r>
-            <a:r>
-              <a:rPr lang="es" sz="1400"/>
-              <a:t> r.id_punto_recoleccion = p.id_punto_recoleccion</a:t>
-            </a:r>
-            <a:endParaRPr sz="1400"/>
-          </a:p>
-          <a:p>
-            <a:pPr indent="0" lvl="0" marL="0" rtl="0" algn="l">
-              <a:spcBef>
-                <a:spcPts val="1200"/>
-              </a:spcBef>
-              <a:spcAft>
-                <a:spcPts val="0"/>
-              </a:spcAft>
-              <a:buNone/>
-            </a:pPr>
-            <a:r>
-              <a:rPr lang="es" sz="1400">
-                <a:solidFill>
-                  <a:schemeClr val="lt1"/>
-                </a:solidFill>
-              </a:rPr>
-              <a:t>WHERE EXTRACT</a:t>
-            </a:r>
-            <a:r>
-              <a:rPr lang="es" sz="1400"/>
-              <a:t>(</a:t>
-            </a:r>
-            <a:r>
-              <a:rPr lang="es" sz="1400">
-                <a:solidFill>
-                  <a:schemeClr val="lt1"/>
-                </a:solidFill>
-              </a:rPr>
-              <a:t>YEAR FROM</a:t>
-            </a:r>
-            <a:r>
-              <a:rPr lang="es" sz="1400"/>
-              <a:t> r.fecha) = 2024</a:t>
-            </a:r>
-            <a:endParaRPr sz="1400"/>
-          </a:p>
-          <a:p>
-            <a:pPr indent="0" lvl="0" marL="0" rtl="0" algn="l">
-              <a:spcBef>
-                <a:spcPts val="1200"/>
-              </a:spcBef>
-              <a:spcAft>
-                <a:spcPts val="0"/>
-              </a:spcAft>
-              <a:buNone/>
-            </a:pPr>
-            <a:r>
-              <a:rPr lang="es" sz="1400">
-                <a:solidFill>
-                  <a:schemeClr val="lt1"/>
-                </a:solidFill>
-              </a:rPr>
-              <a:t>GROUP BY </a:t>
-            </a:r>
-            <a:r>
-              <a:rPr lang="es" sz="1400"/>
-              <a:t>p.zona</a:t>
-            </a:r>
-            <a:endParaRPr sz="1400"/>
-          </a:p>
-          <a:p>
-            <a:pPr indent="0" lvl="0" marL="0" rtl="0" algn="l">
-              <a:spcBef>
-                <a:spcPts val="1200"/>
-              </a:spcBef>
-              <a:spcAft>
-                <a:spcPts val="1200"/>
-              </a:spcAft>
-              <a:buNone/>
-            </a:pPr>
-            <a:r>
-              <a:rPr lang="es" sz="1400">
-                <a:solidFill>
-                  <a:schemeClr val="lt1"/>
-                </a:solidFill>
-              </a:rPr>
-              <a:t>ORDER BY</a:t>
-            </a:r>
-            <a:r>
-              <a:rPr lang="es" sz="1400"/>
-              <a:t> total_kg</a:t>
-            </a:r>
-            <a:r>
-              <a:rPr lang="es" sz="1400">
-                <a:solidFill>
-                  <a:schemeClr val="lt1"/>
-                </a:solidFill>
-              </a:rPr>
-              <a:t> DESC</a:t>
-            </a:r>
-            <a:r>
-              <a:rPr lang="es" sz="1400"/>
-              <a:t>;</a:t>
-            </a:r>
-            <a:endParaRPr sz="1400"/>
-          </a:p>
-        </p:txBody>
-      </p:sp>
-    </p:spTree>
-  </p:cSld>
-  <p:clrMapOvr>
-    <a:masterClrMapping/>
-  </p:clrMapOvr>
-</p:sld>
-</file>
-
-<file path=ppt/slides/slide4.xml><?xml version="1.0" encoding="utf-8"?>
-<p:sld xmlns:a="http://schemas.openxmlformats.org/drawingml/2006/main" xmlns:r="http://schemas.openxmlformats.org/officeDocument/2006/relationships" xmlns:mc="http://schemas.openxmlformats.org/markup-compatibility/2006" xmlns:mv="urn:schemas-microsoft-com:mac:vml" xmlns:p="http://schemas.openxmlformats.org/presentationml/2006/main" xmlns:c="http://schemas.openxmlformats.org/drawingml/2006/chart" xmlns:dgm="http://schemas.openxmlformats.org/drawingml/2006/diagram" xmlns:o="urn:schemas-microsoft-com:office:office" xmlns:v="urn:schemas-microsoft-com:vml" xmlns:pvml="urn:schemas-microsoft-com:office:powerpoint" xmlns:com="http://schemas.openxmlformats.org/drawingml/2006/compatibility" xmlns:p14="http://schemas.microsoft.com/office/powerpoint/2010/main" xmlns:p15="http://schemas.microsoft.com/office/powerpoint/2012/main" xmlns:ahyp="http://schemas.microsoft.com/office/drawing/2018/hyperlinkcolor">
-  <p:cSld>
-    <p:spTree>
-      <p:nvGrpSpPr>
-        <p:cNvPr id="146" name="Shape 146"/>
-        <p:cNvGrpSpPr/>
-        <p:nvPr/>
-      </p:nvGrpSpPr>
-      <p:grpSpPr>
-        <a:xfrm>
-          <a:off x="0" y="0"/>
-          <a:ext cx="0" cy="0"/>
-          <a:chOff x="0" y="0"/>
-          <a:chExt cx="0" cy="0"/>
-        </a:xfrm>
-      </p:grpSpPr>
-      <p:pic>
-        <p:nvPicPr>
-          <p:cNvPr id="147" name="Google Shape;147;p16"/>
-          <p:cNvPicPr preferRelativeResize="0"/>
-          <p:nvPr/>
-        </p:nvPicPr>
-        <p:blipFill>
-          <a:blip r:embed="rId3">
-            <a:alphaModFix/>
-          </a:blip>
-          <a:stretch>
-            <a:fillRect/>
-          </a:stretch>
-        </p:blipFill>
-        <p:spPr>
-          <a:xfrm>
-            <a:off x="307638" y="822738"/>
-            <a:ext cx="8528724" cy="3498024"/>
+            <a:off x="2514500" y="441600"/>
+            <a:ext cx="4115000" cy="4260300"/>
           </a:xfrm>
           <a:prstGeom prst="rect">
             <a:avLst/>
@@ -9927,12 +9906,12 @@
 </p:sld>
 </file>
 
-<file path=ppt/slides/slide5.xml><?xml version="1.0" encoding="utf-8"?>
+<file path=ppt/slides/slide4.xml><?xml version="1.0" encoding="utf-8"?>
 <p:sld xmlns:a="http://schemas.openxmlformats.org/drawingml/2006/main" xmlns:r="http://schemas.openxmlformats.org/officeDocument/2006/relationships" xmlns:mc="http://schemas.openxmlformats.org/markup-compatibility/2006" xmlns:mv="urn:schemas-microsoft-com:mac:vml" xmlns:p="http://schemas.openxmlformats.org/presentationml/2006/main" xmlns:c="http://schemas.openxmlformats.org/drawingml/2006/chart" xmlns:dgm="http://schemas.openxmlformats.org/drawingml/2006/diagram" xmlns:o="urn:schemas-microsoft-com:office:office" xmlns:v="urn:schemas-microsoft-com:vml" xmlns:pvml="urn:schemas-microsoft-com:office:powerpoint" xmlns:com="http://schemas.openxmlformats.org/drawingml/2006/compatibility" xmlns:p14="http://schemas.microsoft.com/office/powerpoint/2010/main" xmlns:p15="http://schemas.microsoft.com/office/powerpoint/2012/main" xmlns:ahyp="http://schemas.microsoft.com/office/drawing/2018/hyperlinkcolor">
   <p:cSld>
     <p:spTree>
       <p:nvGrpSpPr>
-        <p:cNvPr id="151" name="Shape 151"/>
+        <p:cNvPr id="144" name="Shape 144"/>
         <p:cNvGrpSpPr/>
         <p:nvPr/>
       </p:nvGrpSpPr>
@@ -9946,7 +9925,7 @@
       </p:grpSpPr>
       <p:sp>
         <p:nvSpPr>
-          <p:cNvPr id="152" name="Google Shape;152;p17"/>
+          <p:cNvPr id="145" name="Google Shape;145;p16"/>
           <p:cNvSpPr txBox="1"/>
           <p:nvPr>
             <p:ph type="title"/>
@@ -9987,7 +9966,7 @@
             </a:r>
             <a:r>
               <a:rPr lang="es"/>
-              <a:t>realizarán</a:t>
+              <a:t>realizaron</a:t>
             </a:r>
             <a:r>
               <a:rPr lang="es"/>
@@ -9999,7 +9978,7 @@
       </p:sp>
       <p:sp>
         <p:nvSpPr>
-          <p:cNvPr id="153" name="Google Shape;153;p17"/>
+          <p:cNvPr id="146" name="Google Shape;146;p16"/>
           <p:cNvSpPr txBox="1"/>
           <p:nvPr>
             <p:ph idx="1" type="body"/>
@@ -10304,6 +10283,1107 @@
                 <a:srgbClr val="000000"/>
               </a:solidFill>
             </a:endParaRPr>
+          </a:p>
+        </p:txBody>
+      </p:sp>
+    </p:spTree>
+  </p:cSld>
+  <p:clrMapOvr>
+    <a:masterClrMapping/>
+  </p:clrMapOvr>
+</p:sld>
+</file>
+
+<file path=ppt/slides/slide5.xml><?xml version="1.0" encoding="utf-8"?>
+<p:sld xmlns:a="http://schemas.openxmlformats.org/drawingml/2006/main" xmlns:r="http://schemas.openxmlformats.org/officeDocument/2006/relationships" xmlns:mc="http://schemas.openxmlformats.org/markup-compatibility/2006" xmlns:mv="urn:schemas-microsoft-com:mac:vml" xmlns:p="http://schemas.openxmlformats.org/presentationml/2006/main" xmlns:c="http://schemas.openxmlformats.org/drawingml/2006/chart" xmlns:dgm="http://schemas.openxmlformats.org/drawingml/2006/diagram" xmlns:o="urn:schemas-microsoft-com:office:office" xmlns:v="urn:schemas-microsoft-com:vml" xmlns:pvml="urn:schemas-microsoft-com:office:powerpoint" xmlns:com="http://schemas.openxmlformats.org/drawingml/2006/compatibility" xmlns:p14="http://schemas.microsoft.com/office/powerpoint/2010/main" xmlns:p15="http://schemas.microsoft.com/office/powerpoint/2012/main" xmlns:ahyp="http://schemas.microsoft.com/office/drawing/2018/hyperlinkcolor">
+  <p:cSld>
+    <p:spTree>
+      <p:nvGrpSpPr>
+        <p:cNvPr id="150" name="Shape 150"/>
+        <p:cNvGrpSpPr/>
+        <p:nvPr/>
+      </p:nvGrpSpPr>
+      <p:grpSpPr>
+        <a:xfrm>
+          <a:off x="0" y="0"/>
+          <a:ext cx="0" cy="0"/>
+          <a:chOff x="0" y="0"/>
+          <a:chExt cx="0" cy="0"/>
+        </a:xfrm>
+      </p:grpSpPr>
+      <p:sp>
+        <p:nvSpPr>
+          <p:cNvPr id="151" name="Google Shape;151;p17"/>
+          <p:cNvSpPr txBox="1"/>
+          <p:nvPr>
+            <p:ph type="title"/>
+          </p:nvPr>
+        </p:nvSpPr>
+        <p:spPr>
+          <a:xfrm>
+            <a:off x="819150" y="845600"/>
+            <a:ext cx="7505700" cy="954600"/>
+          </a:xfrm>
+          <a:prstGeom prst="rect">
+            <a:avLst/>
+          </a:prstGeom>
+        </p:spPr>
+        <p:txBody>
+          <a:bodyPr anchorCtr="0" anchor="t" bIns="91425" lIns="91425" spcFirstLastPara="1" rIns="91425" wrap="square" tIns="91425">
+            <a:normAutofit/>
+          </a:bodyPr>
+          <a:lstStyle/>
+          <a:p>
+            <a:pPr indent="0" lvl="0" marL="0" rtl="0" algn="l">
+              <a:spcBef>
+                <a:spcPts val="0"/>
+              </a:spcBef>
+              <a:spcAft>
+                <a:spcPts val="0"/>
+              </a:spcAft>
+              <a:buNone/>
+            </a:pPr>
+            <a:r>
+              <a:rPr lang="es"/>
+              <a:t>Creacion y eliminacion de tablas</a:t>
+            </a:r>
+            <a:endParaRPr/>
+          </a:p>
+        </p:txBody>
+      </p:sp>
+      <p:sp>
+        <p:nvSpPr>
+          <p:cNvPr id="152" name="Google Shape;152;p17"/>
+          <p:cNvSpPr txBox="1"/>
+          <p:nvPr>
+            <p:ph idx="1" type="body"/>
+          </p:nvPr>
+        </p:nvSpPr>
+        <p:spPr>
+          <a:xfrm>
+            <a:off x="819150" y="1990725"/>
+            <a:ext cx="3305700" cy="2448000"/>
+          </a:xfrm>
+          <a:prstGeom prst="rect">
+            <a:avLst/>
+          </a:prstGeom>
+        </p:spPr>
+        <p:txBody>
+          <a:bodyPr anchorCtr="0" anchor="t" bIns="91425" lIns="91425" spcFirstLastPara="1" rIns="91425" wrap="square" tIns="91425">
+            <a:normAutofit/>
+          </a:bodyPr>
+          <a:lstStyle/>
+          <a:p>
+            <a:pPr indent="0" lvl="0" marL="0" rtl="0" algn="l">
+              <a:spcBef>
+                <a:spcPts val="0"/>
+              </a:spcBef>
+              <a:spcAft>
+                <a:spcPts val="0"/>
+              </a:spcAft>
+              <a:buNone/>
+            </a:pPr>
+            <a:r>
+              <a:rPr lang="es"/>
+              <a:t>Creación</a:t>
+            </a:r>
+            <a:r>
+              <a:rPr lang="es"/>
+              <a:t> de tablas:</a:t>
+            </a:r>
+            <a:endParaRPr/>
+          </a:p>
+          <a:p>
+            <a:pPr indent="0" lvl="0" marL="0" rtl="0" algn="l">
+              <a:spcBef>
+                <a:spcPts val="1200"/>
+              </a:spcBef>
+              <a:spcAft>
+                <a:spcPts val="0"/>
+              </a:spcAft>
+              <a:buNone/>
+            </a:pPr>
+            <a:r>
+              <a:rPr lang="es"/>
+              <a:t>el </a:t>
+            </a:r>
+            <a:r>
+              <a:rPr lang="es"/>
+              <a:t>código</a:t>
+            </a:r>
+            <a:r>
+              <a:rPr lang="es"/>
+              <a:t> </a:t>
+            </a:r>
+            <a:r>
+              <a:rPr lang="es"/>
+              <a:t>creará</a:t>
+            </a:r>
+            <a:r>
+              <a:rPr lang="es"/>
+              <a:t> las tablas de estado, material, operarios, </a:t>
+            </a:r>
+            <a:r>
+              <a:rPr lang="es"/>
+              <a:t>región, comuna, vehículo, punto de recolección</a:t>
+            </a:r>
+            <a:r>
+              <a:rPr lang="es"/>
+              <a:t> y recolecciones en caso de que estas no existan ya.</a:t>
+            </a:r>
+            <a:endParaRPr/>
+          </a:p>
+          <a:p>
+            <a:pPr indent="0" lvl="0" marL="0" rtl="0" algn="l">
+              <a:spcBef>
+                <a:spcPts val="1200"/>
+              </a:spcBef>
+              <a:spcAft>
+                <a:spcPts val="1200"/>
+              </a:spcAft>
+              <a:buNone/>
+            </a:pPr>
+            <a:r>
+              <a:rPr lang="es"/>
+              <a:t>En el caso de tipo_vehiculo y tipo_residuo se abriran una serie de opciones para seleccionar.</a:t>
+            </a:r>
+            <a:endParaRPr/>
+          </a:p>
+        </p:txBody>
+      </p:sp>
+      <p:sp>
+        <p:nvSpPr>
+          <p:cNvPr id="153" name="Google Shape;153;p17"/>
+          <p:cNvSpPr txBox="1"/>
+          <p:nvPr/>
+        </p:nvSpPr>
+        <p:spPr>
+          <a:xfrm>
+            <a:off x="4689600" y="1990725"/>
+            <a:ext cx="3885000" cy="1245300"/>
+          </a:xfrm>
+          <a:prstGeom prst="rect">
+            <a:avLst/>
+          </a:prstGeom>
+          <a:noFill/>
+          <a:ln>
+            <a:noFill/>
+          </a:ln>
+        </p:spPr>
+        <p:txBody>
+          <a:bodyPr anchorCtr="0" anchor="t" bIns="91425" lIns="91425" spcFirstLastPara="1" rIns="91425" wrap="square" tIns="91425">
+            <a:spAutoFit/>
+          </a:bodyPr>
+          <a:lstStyle/>
+          <a:p>
+            <a:pPr indent="0" lvl="0" marL="0" rtl="0" algn="l">
+              <a:spcBef>
+                <a:spcPts val="0"/>
+              </a:spcBef>
+              <a:spcAft>
+                <a:spcPts val="0"/>
+              </a:spcAft>
+              <a:buNone/>
+            </a:pPr>
+            <a:r>
+              <a:rPr lang="es" sz="1300">
+                <a:solidFill>
+                  <a:schemeClr val="dk2"/>
+                </a:solidFill>
+                <a:latin typeface="Calibri"/>
+                <a:ea typeface="Calibri"/>
+                <a:cs typeface="Calibri"/>
+                <a:sym typeface="Calibri"/>
+              </a:rPr>
+              <a:t>Eliminación</a:t>
+            </a:r>
+            <a:r>
+              <a:rPr lang="es" sz="1300">
+                <a:solidFill>
+                  <a:schemeClr val="dk2"/>
+                </a:solidFill>
+                <a:latin typeface="Calibri"/>
+                <a:ea typeface="Calibri"/>
+                <a:cs typeface="Calibri"/>
+                <a:sym typeface="Calibri"/>
+              </a:rPr>
+              <a:t> de Tablas:</a:t>
+            </a:r>
+            <a:endParaRPr sz="1300">
+              <a:solidFill>
+                <a:schemeClr val="dk2"/>
+              </a:solidFill>
+              <a:latin typeface="Calibri"/>
+              <a:ea typeface="Calibri"/>
+              <a:cs typeface="Calibri"/>
+              <a:sym typeface="Calibri"/>
+            </a:endParaRPr>
+          </a:p>
+          <a:p>
+            <a:pPr indent="0" lvl="0" marL="0" rtl="0" algn="l">
+              <a:spcBef>
+                <a:spcPts val="0"/>
+              </a:spcBef>
+              <a:spcAft>
+                <a:spcPts val="0"/>
+              </a:spcAft>
+              <a:buNone/>
+            </a:pPr>
+            <a:r>
+              <a:t/>
+            </a:r>
+            <a:endParaRPr sz="1300">
+              <a:solidFill>
+                <a:schemeClr val="dk2"/>
+              </a:solidFill>
+              <a:latin typeface="Calibri"/>
+              <a:ea typeface="Calibri"/>
+              <a:cs typeface="Calibri"/>
+              <a:sym typeface="Calibri"/>
+            </a:endParaRPr>
+          </a:p>
+          <a:p>
+            <a:pPr indent="0" lvl="0" marL="0" rtl="0" algn="l">
+              <a:lnSpc>
+                <a:spcPct val="115000"/>
+              </a:lnSpc>
+              <a:spcBef>
+                <a:spcPts val="0"/>
+              </a:spcBef>
+              <a:spcAft>
+                <a:spcPts val="0"/>
+              </a:spcAft>
+              <a:buNone/>
+            </a:pPr>
+            <a:r>
+              <a:rPr lang="es" sz="1300">
+                <a:solidFill>
+                  <a:schemeClr val="dk2"/>
+                </a:solidFill>
+                <a:latin typeface="Calibri"/>
+                <a:ea typeface="Calibri"/>
+                <a:cs typeface="Calibri"/>
+                <a:sym typeface="Calibri"/>
+              </a:rPr>
+              <a:t>En caso de ser </a:t>
+            </a:r>
+            <a:r>
+              <a:rPr lang="es" sz="1300">
+                <a:solidFill>
+                  <a:schemeClr val="dk2"/>
+                </a:solidFill>
+                <a:latin typeface="Calibri"/>
+                <a:ea typeface="Calibri"/>
+                <a:cs typeface="Calibri"/>
+                <a:sym typeface="Calibri"/>
+              </a:rPr>
+              <a:t>necesario</a:t>
+            </a:r>
+            <a:r>
+              <a:rPr lang="es" sz="1300">
+                <a:solidFill>
+                  <a:schemeClr val="dk2"/>
+                </a:solidFill>
+                <a:latin typeface="Calibri"/>
+                <a:ea typeface="Calibri"/>
+                <a:cs typeface="Calibri"/>
+                <a:sym typeface="Calibri"/>
+              </a:rPr>
+              <a:t> el programa cuenta con la capacidad de eliminar por completo una tabla, muy </a:t>
+            </a:r>
+            <a:r>
+              <a:rPr lang="es" sz="1300">
+                <a:solidFill>
+                  <a:schemeClr val="dk2"/>
+                </a:solidFill>
+                <a:latin typeface="Calibri"/>
+                <a:ea typeface="Calibri"/>
+                <a:cs typeface="Calibri"/>
+                <a:sym typeface="Calibri"/>
+              </a:rPr>
+              <a:t>útil</a:t>
+            </a:r>
+            <a:r>
+              <a:rPr lang="es" sz="1300">
+                <a:solidFill>
+                  <a:schemeClr val="dk2"/>
+                </a:solidFill>
+                <a:latin typeface="Calibri"/>
+                <a:ea typeface="Calibri"/>
+                <a:cs typeface="Calibri"/>
+                <a:sym typeface="Calibri"/>
+              </a:rPr>
+              <a:t> en caso de querer reemplazarlos por otro nuevos</a:t>
+            </a:r>
+            <a:endParaRPr sz="1300">
+              <a:solidFill>
+                <a:schemeClr val="dk2"/>
+              </a:solidFill>
+              <a:latin typeface="Calibri"/>
+              <a:ea typeface="Calibri"/>
+              <a:cs typeface="Calibri"/>
+              <a:sym typeface="Calibri"/>
+            </a:endParaRPr>
+          </a:p>
+        </p:txBody>
+      </p:sp>
+    </p:spTree>
+  </p:cSld>
+  <p:clrMapOvr>
+    <a:masterClrMapping/>
+  </p:clrMapOvr>
+</p:sld>
+</file>
+
+<file path=ppt/slides/slide6.xml><?xml version="1.0" encoding="utf-8"?>
+<p:sld xmlns:a="http://schemas.openxmlformats.org/drawingml/2006/main" xmlns:r="http://schemas.openxmlformats.org/officeDocument/2006/relationships" xmlns:mc="http://schemas.openxmlformats.org/markup-compatibility/2006" xmlns:mv="urn:schemas-microsoft-com:mac:vml" xmlns:p="http://schemas.openxmlformats.org/presentationml/2006/main" xmlns:c="http://schemas.openxmlformats.org/drawingml/2006/chart" xmlns:dgm="http://schemas.openxmlformats.org/drawingml/2006/diagram" xmlns:o="urn:schemas-microsoft-com:office:office" xmlns:v="urn:schemas-microsoft-com:vml" xmlns:pvml="urn:schemas-microsoft-com:office:powerpoint" xmlns:com="http://schemas.openxmlformats.org/drawingml/2006/compatibility" xmlns:p14="http://schemas.microsoft.com/office/powerpoint/2010/main" xmlns:p15="http://schemas.microsoft.com/office/powerpoint/2012/main" xmlns:ahyp="http://schemas.microsoft.com/office/drawing/2018/hyperlinkcolor">
+  <p:cSld>
+    <p:spTree>
+      <p:nvGrpSpPr>
+        <p:cNvPr id="157" name="Shape 157"/>
+        <p:cNvGrpSpPr/>
+        <p:nvPr/>
+      </p:nvGrpSpPr>
+      <p:grpSpPr>
+        <a:xfrm>
+          <a:off x="0" y="0"/>
+          <a:ext cx="0" cy="0"/>
+          <a:chOff x="0" y="0"/>
+          <a:chExt cx="0" cy="0"/>
+        </a:xfrm>
+      </p:grpSpPr>
+      <p:sp>
+        <p:nvSpPr>
+          <p:cNvPr id="158" name="Google Shape;158;p18"/>
+          <p:cNvSpPr txBox="1"/>
+          <p:nvPr>
+            <p:ph type="title"/>
+          </p:nvPr>
+        </p:nvSpPr>
+        <p:spPr>
+          <a:xfrm>
+            <a:off x="819150" y="845600"/>
+            <a:ext cx="7505700" cy="954600"/>
+          </a:xfrm>
+          <a:prstGeom prst="rect">
+            <a:avLst/>
+          </a:prstGeom>
+        </p:spPr>
+        <p:txBody>
+          <a:bodyPr anchorCtr="0" anchor="t" bIns="91425" lIns="91425" spcFirstLastPara="1" rIns="91425" wrap="square" tIns="91425">
+            <a:normAutofit/>
+          </a:bodyPr>
+          <a:lstStyle/>
+          <a:p>
+            <a:pPr indent="0" lvl="0" marL="0" rtl="0" algn="l">
+              <a:spcBef>
+                <a:spcPts val="0"/>
+              </a:spcBef>
+              <a:spcAft>
+                <a:spcPts val="0"/>
+              </a:spcAft>
+              <a:buNone/>
+            </a:pPr>
+            <a:r>
+              <a:rPr lang="es"/>
+              <a:t>Carga de datos</a:t>
+            </a:r>
+            <a:endParaRPr/>
+          </a:p>
+        </p:txBody>
+      </p:sp>
+      <p:sp>
+        <p:nvSpPr>
+          <p:cNvPr id="159" name="Google Shape;159;p18"/>
+          <p:cNvSpPr txBox="1"/>
+          <p:nvPr>
+            <p:ph idx="1" type="body"/>
+          </p:nvPr>
+        </p:nvSpPr>
+        <p:spPr>
+          <a:xfrm>
+            <a:off x="819150" y="1990725"/>
+            <a:ext cx="4346100" cy="2448000"/>
+          </a:xfrm>
+          <a:prstGeom prst="rect">
+            <a:avLst/>
+          </a:prstGeom>
+        </p:spPr>
+        <p:txBody>
+          <a:bodyPr anchorCtr="0" anchor="t" bIns="91425" lIns="91425" spcFirstLastPara="1" rIns="91425" wrap="square" tIns="91425">
+            <a:normAutofit/>
+          </a:bodyPr>
+          <a:lstStyle/>
+          <a:p>
+            <a:pPr indent="0" lvl="0" marL="0" rtl="0" algn="l">
+              <a:spcBef>
+                <a:spcPts val="0"/>
+              </a:spcBef>
+              <a:spcAft>
+                <a:spcPts val="0"/>
+              </a:spcAft>
+              <a:buNone/>
+            </a:pPr>
+            <a:r>
+              <a:rPr lang="es"/>
+              <a:t>Los archivos involucrados en la carga de datos son:</a:t>
+            </a:r>
+            <a:endParaRPr/>
+          </a:p>
+          <a:p>
+            <a:pPr indent="-311150" lvl="0" marL="457200" rtl="0" algn="l">
+              <a:spcBef>
+                <a:spcPts val="1200"/>
+              </a:spcBef>
+              <a:spcAft>
+                <a:spcPts val="0"/>
+              </a:spcAft>
+              <a:buSzPts val="1300"/>
+              <a:buChar char="●"/>
+            </a:pPr>
+            <a:r>
+              <a:rPr lang="es"/>
+              <a:t>recoleccion</a:t>
+            </a:r>
+            <a:r>
+              <a:rPr lang="es"/>
+              <a:t>.csv: contiene datos de recolección</a:t>
+            </a:r>
+            <a:endParaRPr/>
+          </a:p>
+          <a:p>
+            <a:pPr indent="-311150" lvl="0" marL="457200" rtl="0" algn="l">
+              <a:spcBef>
+                <a:spcPts val="0"/>
+              </a:spcBef>
+              <a:spcAft>
+                <a:spcPts val="0"/>
+              </a:spcAft>
+              <a:buSzPts val="1300"/>
+              <a:buChar char="●"/>
+            </a:pPr>
+            <a:r>
+              <a:rPr lang="es"/>
+              <a:t>RellenarTablaRecolecciones.py</a:t>
+            </a:r>
+            <a:r>
+              <a:rPr lang="es"/>
+              <a:t>: carga registros del csv a la base de datos</a:t>
+            </a:r>
+            <a:endParaRPr/>
+          </a:p>
+          <a:p>
+            <a:pPr indent="-311150" lvl="0" marL="457200" rtl="0" algn="l">
+              <a:spcBef>
+                <a:spcPts val="0"/>
+              </a:spcBef>
+              <a:spcAft>
+                <a:spcPts val="0"/>
+              </a:spcAft>
+              <a:buSzPts val="1300"/>
+              <a:buChar char="●"/>
+            </a:pPr>
+            <a:r>
+              <a:rPr lang="es"/>
+              <a:t>RellenarTablasSecundarias.py: inserta datos fijos como centros y materiales</a:t>
+            </a:r>
+            <a:endParaRPr/>
+          </a:p>
+          <a:p>
+            <a:pPr indent="-311150" lvl="0" marL="457200" rtl="0" algn="l">
+              <a:spcBef>
+                <a:spcPts val="0"/>
+              </a:spcBef>
+              <a:spcAft>
+                <a:spcPts val="0"/>
+              </a:spcAft>
+              <a:buSzPts val="1300"/>
+              <a:buChar char="●"/>
+            </a:pPr>
+            <a:r>
+              <a:rPr lang="es"/>
+              <a:t>basetran.py: ejecuta todo el proceso desde un solo punto</a:t>
+            </a:r>
+            <a:endParaRPr/>
+          </a:p>
+        </p:txBody>
+      </p:sp>
+      <p:sp>
+        <p:nvSpPr>
+          <p:cNvPr id="160" name="Google Shape;160;p18"/>
+          <p:cNvSpPr txBox="1"/>
+          <p:nvPr>
+            <p:ph idx="1" type="body"/>
+          </p:nvPr>
+        </p:nvSpPr>
+        <p:spPr>
+          <a:xfrm>
+            <a:off x="5165250" y="1912150"/>
+            <a:ext cx="3371100" cy="2448000"/>
+          </a:xfrm>
+          <a:prstGeom prst="rect">
+            <a:avLst/>
+          </a:prstGeom>
+        </p:spPr>
+        <p:txBody>
+          <a:bodyPr anchorCtr="0" anchor="t" bIns="91425" lIns="91425" spcFirstLastPara="1" rIns="91425" wrap="square" tIns="91425">
+            <a:normAutofit lnSpcReduction="20000"/>
+          </a:bodyPr>
+          <a:lstStyle/>
+          <a:p>
+            <a:pPr indent="0" lvl="0" marL="0" rtl="0" algn="l">
+              <a:spcBef>
+                <a:spcPts val="0"/>
+              </a:spcBef>
+              <a:spcAft>
+                <a:spcPts val="0"/>
+              </a:spcAft>
+              <a:buNone/>
+            </a:pPr>
+            <a:r>
+              <a:rPr lang="es"/>
+              <a:t>¿</a:t>
+            </a:r>
+            <a:r>
+              <a:rPr lang="es"/>
+              <a:t>Cómo</a:t>
+            </a:r>
+            <a:r>
+              <a:rPr lang="es"/>
+              <a:t> funciona?</a:t>
+            </a:r>
+            <a:endParaRPr/>
+          </a:p>
+          <a:p>
+            <a:pPr indent="-311150" lvl="0" marL="457200" rtl="0" algn="l">
+              <a:spcBef>
+                <a:spcPts val="1200"/>
+              </a:spcBef>
+              <a:spcAft>
+                <a:spcPts val="0"/>
+              </a:spcAft>
+              <a:buSzPts val="1300"/>
+              <a:buChar char="●"/>
+            </a:pPr>
+            <a:r>
+              <a:rPr lang="es"/>
+              <a:t>Primero se cargan los datos secundarios(materiales, centros, recolectores)</a:t>
+            </a:r>
+            <a:endParaRPr/>
+          </a:p>
+          <a:p>
+            <a:pPr indent="-311150" lvl="0" marL="457200" rtl="0" algn="l">
+              <a:spcBef>
+                <a:spcPts val="0"/>
+              </a:spcBef>
+              <a:spcAft>
+                <a:spcPts val="0"/>
+              </a:spcAft>
+              <a:buSzPts val="1300"/>
+              <a:buChar char="●"/>
+            </a:pPr>
+            <a:r>
+              <a:rPr lang="es"/>
+              <a:t>Luego se cargan los datos principales desde el csv</a:t>
+            </a:r>
+            <a:endParaRPr/>
+          </a:p>
+          <a:p>
+            <a:pPr indent="-311150" lvl="0" marL="457200" rtl="0" algn="l">
+              <a:spcBef>
+                <a:spcPts val="0"/>
+              </a:spcBef>
+              <a:spcAft>
+                <a:spcPts val="0"/>
+              </a:spcAft>
+              <a:buSzPts val="1300"/>
+              <a:buChar char="●"/>
+            </a:pPr>
+            <a:r>
+              <a:rPr lang="es"/>
+              <a:t>Por </a:t>
+            </a:r>
+            <a:r>
+              <a:rPr lang="es"/>
+              <a:t>último</a:t>
+            </a:r>
+            <a:r>
+              <a:rPr lang="es"/>
+              <a:t> se hacen validaciones: formato de fechas, claves foráneas, duplicados.</a:t>
+            </a:r>
+            <a:endParaRPr/>
+          </a:p>
+          <a:p>
+            <a:pPr indent="0" lvl="0" marL="457200" rtl="0" algn="l">
+              <a:spcBef>
+                <a:spcPts val="1200"/>
+              </a:spcBef>
+              <a:spcAft>
+                <a:spcPts val="1200"/>
+              </a:spcAft>
+              <a:buNone/>
+            </a:pPr>
+            <a:r>
+              <a:t/>
+            </a:r>
+            <a:endParaRPr/>
+          </a:p>
+        </p:txBody>
+      </p:sp>
+    </p:spTree>
+  </p:cSld>
+  <p:clrMapOvr>
+    <a:masterClrMapping/>
+  </p:clrMapOvr>
+</p:sld>
+</file>
+
+<file path=ppt/slides/slide7.xml><?xml version="1.0" encoding="utf-8"?>
+<p:sld xmlns:a="http://schemas.openxmlformats.org/drawingml/2006/main" xmlns:r="http://schemas.openxmlformats.org/officeDocument/2006/relationships" xmlns:mc="http://schemas.openxmlformats.org/markup-compatibility/2006" xmlns:mv="urn:schemas-microsoft-com:mac:vml" xmlns:p="http://schemas.openxmlformats.org/presentationml/2006/main" xmlns:c="http://schemas.openxmlformats.org/drawingml/2006/chart" xmlns:dgm="http://schemas.openxmlformats.org/drawingml/2006/diagram" xmlns:o="urn:schemas-microsoft-com:office:office" xmlns:v="urn:schemas-microsoft-com:vml" xmlns:pvml="urn:schemas-microsoft-com:office:powerpoint" xmlns:com="http://schemas.openxmlformats.org/drawingml/2006/compatibility" xmlns:p14="http://schemas.microsoft.com/office/powerpoint/2010/main" xmlns:p15="http://schemas.microsoft.com/office/powerpoint/2012/main" xmlns:ahyp="http://schemas.microsoft.com/office/drawing/2018/hyperlinkcolor">
+  <p:cSld>
+    <p:spTree>
+      <p:nvGrpSpPr>
+        <p:cNvPr id="164" name="Shape 164"/>
+        <p:cNvGrpSpPr/>
+        <p:nvPr/>
+      </p:nvGrpSpPr>
+      <p:grpSpPr>
+        <a:xfrm>
+          <a:off x="0" y="0"/>
+          <a:ext cx="0" cy="0"/>
+          <a:chOff x="0" y="0"/>
+          <a:chExt cx="0" cy="0"/>
+        </a:xfrm>
+      </p:grpSpPr>
+      <p:sp>
+        <p:nvSpPr>
+          <p:cNvPr id="165" name="Google Shape;165;p19"/>
+          <p:cNvSpPr txBox="1"/>
+          <p:nvPr>
+            <p:ph type="title"/>
+          </p:nvPr>
+        </p:nvSpPr>
+        <p:spPr>
+          <a:xfrm>
+            <a:off x="819150" y="845600"/>
+            <a:ext cx="7505700" cy="954600"/>
+          </a:xfrm>
+          <a:prstGeom prst="rect">
+            <a:avLst/>
+          </a:prstGeom>
+        </p:spPr>
+        <p:txBody>
+          <a:bodyPr anchorCtr="0" anchor="t" bIns="91425" lIns="91425" spcFirstLastPara="1" rIns="91425" wrap="square" tIns="91425">
+            <a:normAutofit/>
+          </a:bodyPr>
+          <a:lstStyle/>
+          <a:p>
+            <a:pPr indent="0" lvl="0" marL="0" rtl="0" algn="ctr">
+              <a:spcBef>
+                <a:spcPts val="0"/>
+              </a:spcBef>
+              <a:spcAft>
+                <a:spcPts val="0"/>
+              </a:spcAft>
+              <a:buNone/>
+            </a:pPr>
+            <a:r>
+              <a:rPr lang="es"/>
+              <a:t>Proceso para ETL y Schedule</a:t>
+            </a:r>
+            <a:endParaRPr/>
+          </a:p>
+        </p:txBody>
+      </p:sp>
+      <p:sp>
+        <p:nvSpPr>
+          <p:cNvPr id="166" name="Google Shape;166;p19"/>
+          <p:cNvSpPr txBox="1"/>
+          <p:nvPr>
+            <p:ph idx="1" type="body"/>
+          </p:nvPr>
+        </p:nvSpPr>
+        <p:spPr>
+          <a:xfrm>
+            <a:off x="1374250" y="1513375"/>
+            <a:ext cx="6564900" cy="2448000"/>
+          </a:xfrm>
+          <a:prstGeom prst="rect">
+            <a:avLst/>
+          </a:prstGeom>
+        </p:spPr>
+        <p:txBody>
+          <a:bodyPr anchorCtr="0" anchor="t" bIns="91425" lIns="91425" spcFirstLastPara="1" rIns="91425" wrap="square" tIns="91425">
+            <a:normAutofit/>
+          </a:bodyPr>
+          <a:lstStyle/>
+          <a:p>
+            <a:pPr indent="0" lvl="0" marL="0" rtl="0" algn="l">
+              <a:spcBef>
+                <a:spcPts val="0"/>
+              </a:spcBef>
+              <a:spcAft>
+                <a:spcPts val="1200"/>
+              </a:spcAft>
+              <a:buNone/>
+            </a:pPr>
+            <a:r>
+              <a:rPr lang="es"/>
+              <a:t>Dado que nuestra base de datos transaccional es muy similar a la tabla de hechos que deseamos construir, además de crear dicha tabla, se opta por generar archivos CSV de manera periódica. Estos archivos permiten extraer información relevante, como la cantidad de gastos y los kilos de materiales reciclados por región.</a:t>
+            </a:r>
+            <a:endParaRPr/>
+          </a:p>
+        </p:txBody>
+      </p:sp>
+      <p:pic>
+        <p:nvPicPr>
+          <p:cNvPr id="167" name="Google Shape;167;p19"/>
+          <p:cNvPicPr preferRelativeResize="0"/>
+          <p:nvPr/>
+        </p:nvPicPr>
+        <p:blipFill>
+          <a:blip r:embed="rId3">
+            <a:alphaModFix/>
+          </a:blip>
+          <a:stretch>
+            <a:fillRect/>
+          </a:stretch>
+        </p:blipFill>
+        <p:spPr>
+          <a:xfrm>
+            <a:off x="5114044" y="2690675"/>
+            <a:ext cx="1814406" cy="1982675"/>
+          </a:xfrm>
+          <a:prstGeom prst="rect">
+            <a:avLst/>
+          </a:prstGeom>
+          <a:noFill/>
+          <a:ln>
+            <a:noFill/>
+          </a:ln>
+        </p:spPr>
+      </p:pic>
+      <p:pic>
+        <p:nvPicPr>
+          <p:cNvPr id="168" name="Google Shape;168;p19"/>
+          <p:cNvPicPr preferRelativeResize="0"/>
+          <p:nvPr/>
+        </p:nvPicPr>
+        <p:blipFill>
+          <a:blip r:embed="rId4">
+            <a:alphaModFix/>
+          </a:blip>
+          <a:stretch>
+            <a:fillRect/>
+          </a:stretch>
+        </p:blipFill>
+        <p:spPr>
+          <a:xfrm>
+            <a:off x="2215550" y="2690675"/>
+            <a:ext cx="2898494" cy="1982675"/>
+          </a:xfrm>
+          <a:prstGeom prst="rect">
+            <a:avLst/>
+          </a:prstGeom>
+          <a:noFill/>
+          <a:ln>
+            <a:noFill/>
+          </a:ln>
+        </p:spPr>
+      </p:pic>
+    </p:spTree>
+  </p:cSld>
+  <p:clrMapOvr>
+    <a:masterClrMapping/>
+  </p:clrMapOvr>
+</p:sld>
+</file>
+
+<file path=ppt/slides/slide8.xml><?xml version="1.0" encoding="utf-8"?>
+<p:sld xmlns:a="http://schemas.openxmlformats.org/drawingml/2006/main" xmlns:r="http://schemas.openxmlformats.org/officeDocument/2006/relationships" xmlns:mc="http://schemas.openxmlformats.org/markup-compatibility/2006" xmlns:mv="urn:schemas-microsoft-com:mac:vml" xmlns:p="http://schemas.openxmlformats.org/presentationml/2006/main" xmlns:c="http://schemas.openxmlformats.org/drawingml/2006/chart" xmlns:dgm="http://schemas.openxmlformats.org/drawingml/2006/diagram" xmlns:o="urn:schemas-microsoft-com:office:office" xmlns:v="urn:schemas-microsoft-com:vml" xmlns:pvml="urn:schemas-microsoft-com:office:powerpoint" xmlns:com="http://schemas.openxmlformats.org/drawingml/2006/compatibility" xmlns:p14="http://schemas.microsoft.com/office/powerpoint/2010/main" xmlns:p15="http://schemas.microsoft.com/office/powerpoint/2012/main" xmlns:ahyp="http://schemas.microsoft.com/office/drawing/2018/hyperlinkcolor">
+  <p:cSld>
+    <p:spTree>
+      <p:nvGrpSpPr>
+        <p:cNvPr id="172" name="Shape 172"/>
+        <p:cNvGrpSpPr/>
+        <p:nvPr/>
+      </p:nvGrpSpPr>
+      <p:grpSpPr>
+        <a:xfrm>
+          <a:off x="0" y="0"/>
+          <a:ext cx="0" cy="0"/>
+          <a:chOff x="0" y="0"/>
+          <a:chExt cx="0" cy="0"/>
+        </a:xfrm>
+      </p:grpSpPr>
+      <p:sp>
+        <p:nvSpPr>
+          <p:cNvPr id="173" name="Google Shape;173;p20"/>
+          <p:cNvSpPr txBox="1"/>
+          <p:nvPr>
+            <p:ph type="title"/>
+          </p:nvPr>
+        </p:nvSpPr>
+        <p:spPr>
+          <a:xfrm>
+            <a:off x="819150" y="845600"/>
+            <a:ext cx="7505700" cy="954600"/>
+          </a:xfrm>
+          <a:prstGeom prst="rect">
+            <a:avLst/>
+          </a:prstGeom>
+        </p:spPr>
+        <p:txBody>
+          <a:bodyPr anchorCtr="0" anchor="t" bIns="91425" lIns="91425" spcFirstLastPara="1" rIns="91425" wrap="square" tIns="91425">
+            <a:normAutofit/>
+          </a:bodyPr>
+          <a:lstStyle/>
+          <a:p>
+            <a:pPr indent="0" lvl="0" marL="0" rtl="0" algn="l">
+              <a:spcBef>
+                <a:spcPts val="0"/>
+              </a:spcBef>
+              <a:spcAft>
+                <a:spcPts val="0"/>
+              </a:spcAft>
+              <a:buNone/>
+            </a:pPr>
+            <a:r>
+              <a:rPr lang="es"/>
+              <a:t>Consultas</a:t>
+            </a:r>
+            <a:endParaRPr/>
+          </a:p>
+        </p:txBody>
+      </p:sp>
+      <p:sp>
+        <p:nvSpPr>
+          <p:cNvPr id="174" name="Google Shape;174;p20"/>
+          <p:cNvSpPr txBox="1"/>
+          <p:nvPr>
+            <p:ph idx="1" type="body"/>
+          </p:nvPr>
+        </p:nvSpPr>
+        <p:spPr>
+          <a:xfrm>
+            <a:off x="819150" y="1990725"/>
+            <a:ext cx="3023100" cy="2448000"/>
+          </a:xfrm>
+          <a:prstGeom prst="rect">
+            <a:avLst/>
+          </a:prstGeom>
+        </p:spPr>
+        <p:txBody>
+          <a:bodyPr anchorCtr="0" anchor="t" bIns="91425" lIns="91425" spcFirstLastPara="1" rIns="91425" wrap="square" tIns="91425">
+            <a:normAutofit/>
+          </a:bodyPr>
+          <a:lstStyle/>
+          <a:p>
+            <a:pPr indent="0" lvl="0" marL="0" rtl="0" algn="l">
+              <a:spcBef>
+                <a:spcPts val="0"/>
+              </a:spcBef>
+              <a:spcAft>
+                <a:spcPts val="0"/>
+              </a:spcAft>
+              <a:buNone/>
+            </a:pPr>
+            <a:r>
+              <a:rPr lang="es"/>
+              <a:t>Las herramientas que utilizamos fueron:</a:t>
+            </a:r>
+            <a:endParaRPr/>
+          </a:p>
+          <a:p>
+            <a:pPr indent="-311150" lvl="0" marL="457200" rtl="0" algn="l">
+              <a:spcBef>
+                <a:spcPts val="1200"/>
+              </a:spcBef>
+              <a:spcAft>
+                <a:spcPts val="0"/>
+              </a:spcAft>
+              <a:buSzPts val="1300"/>
+              <a:buChar char="●"/>
+            </a:pPr>
+            <a:r>
+              <a:rPr lang="es"/>
+              <a:t>C</a:t>
+            </a:r>
+            <a:r>
+              <a:rPr lang="es"/>
+              <a:t>onsultas SQL para extraer los datos.</a:t>
+            </a:r>
+            <a:endParaRPr/>
+          </a:p>
+          <a:p>
+            <a:pPr indent="-311150" lvl="0" marL="457200" rtl="0" algn="l">
+              <a:spcBef>
+                <a:spcPts val="0"/>
+              </a:spcBef>
+              <a:spcAft>
+                <a:spcPts val="0"/>
+              </a:spcAft>
+              <a:buSzPts val="1300"/>
+              <a:buChar char="●"/>
+            </a:pPr>
+            <a:r>
+              <a:rPr lang="es"/>
+              <a:t>Script Python: LlamadasSQLGraficos.py</a:t>
+            </a:r>
+            <a:endParaRPr/>
+          </a:p>
+          <a:p>
+            <a:pPr indent="-311150" lvl="0" marL="457200" rtl="0" algn="l">
+              <a:spcBef>
+                <a:spcPts val="0"/>
+              </a:spcBef>
+              <a:spcAft>
+                <a:spcPts val="0"/>
+              </a:spcAft>
+              <a:buSzPts val="1300"/>
+              <a:buChar char="●"/>
+            </a:pPr>
+            <a:r>
+              <a:rPr lang="es"/>
+              <a:t>visualización con gráficos para facilitar su interpretación.</a:t>
+            </a:r>
+            <a:br>
+              <a:rPr lang="es"/>
+            </a:br>
+            <a:endParaRPr/>
+          </a:p>
+        </p:txBody>
+      </p:sp>
+      <p:sp>
+        <p:nvSpPr>
+          <p:cNvPr id="175" name="Google Shape;175;p20"/>
+          <p:cNvSpPr txBox="1"/>
+          <p:nvPr>
+            <p:ph idx="1" type="body"/>
+          </p:nvPr>
+        </p:nvSpPr>
+        <p:spPr>
+          <a:xfrm>
+            <a:off x="4313300" y="2043025"/>
+            <a:ext cx="3023100" cy="2572500"/>
+          </a:xfrm>
+          <a:prstGeom prst="rect">
+            <a:avLst/>
+          </a:prstGeom>
+        </p:spPr>
+        <p:txBody>
+          <a:bodyPr anchorCtr="0" anchor="t" bIns="91425" lIns="91425" spcFirstLastPara="1" rIns="91425" wrap="square" tIns="91425">
+            <a:normAutofit fontScale="77500" lnSpcReduction="20000"/>
+          </a:bodyPr>
+          <a:lstStyle/>
+          <a:p>
+            <a:pPr indent="0" lvl="0" marL="0" rtl="0" algn="l">
+              <a:spcBef>
+                <a:spcPts val="0"/>
+              </a:spcBef>
+              <a:spcAft>
+                <a:spcPts val="0"/>
+              </a:spcAft>
+              <a:buNone/>
+            </a:pPr>
+            <a:r>
+              <a:rPr lang="es"/>
+              <a:t>Ejemplo de consulta SQL</a:t>
+            </a:r>
+            <a:endParaRPr/>
+          </a:p>
+          <a:p>
+            <a:pPr indent="-292576" lvl="0" marL="457200" rtl="0" algn="l">
+              <a:spcBef>
+                <a:spcPts val="1200"/>
+              </a:spcBef>
+              <a:spcAft>
+                <a:spcPts val="0"/>
+              </a:spcAft>
+              <a:buSzPct val="100000"/>
+              <a:buChar char="●"/>
+            </a:pPr>
+            <a:r>
+              <a:rPr lang="es"/>
+              <a:t>Total de kilos por tipo de material:</a:t>
+            </a:r>
+            <a:endParaRPr/>
+          </a:p>
+          <a:p>
+            <a:pPr indent="0" lvl="0" marL="457200" rtl="0" algn="l">
+              <a:spcBef>
+                <a:spcPts val="1200"/>
+              </a:spcBef>
+              <a:spcAft>
+                <a:spcPts val="0"/>
+              </a:spcAft>
+              <a:buNone/>
+            </a:pPr>
+            <a:r>
+              <a:rPr lang="es"/>
+              <a:t>SELECT material, Sum(cantidad) FROM </a:t>
+            </a:r>
+            <a:r>
+              <a:rPr lang="es"/>
+              <a:t>recoleccion</a:t>
+            </a:r>
+            <a:r>
+              <a:rPr lang="es"/>
+              <a:t> GROUP BY material;</a:t>
+            </a:r>
+            <a:endParaRPr/>
+          </a:p>
+          <a:p>
+            <a:pPr indent="-292576" lvl="0" marL="457200" rtl="0" algn="l">
+              <a:spcBef>
+                <a:spcPts val="1200"/>
+              </a:spcBef>
+              <a:spcAft>
+                <a:spcPts val="0"/>
+              </a:spcAft>
+              <a:buSzPct val="100000"/>
+              <a:buChar char="●"/>
+            </a:pPr>
+            <a:r>
+              <a:rPr lang="es"/>
+              <a:t>Cantidad recolectada por punto de </a:t>
+            </a:r>
+            <a:r>
+              <a:rPr lang="es"/>
+              <a:t>recolección</a:t>
+            </a:r>
+            <a:endParaRPr/>
+          </a:p>
+          <a:p>
+            <a:pPr indent="0" lvl="0" marL="0" rtl="0" algn="l">
+              <a:spcBef>
+                <a:spcPts val="1200"/>
+              </a:spcBef>
+              <a:spcAft>
+                <a:spcPts val="0"/>
+              </a:spcAft>
+              <a:buNone/>
+            </a:pPr>
+            <a:r>
+              <a:rPr lang="es"/>
+              <a:t>De todo esto se puede esperar:Un Ranking de materiales más reciclados, centros eficientes o recolectores con mayor participación.</a:t>
+            </a:r>
+            <a:endParaRPr/>
+          </a:p>
+          <a:p>
+            <a:pPr indent="0" lvl="0" marL="457200" rtl="0" algn="l">
+              <a:spcBef>
+                <a:spcPts val="1200"/>
+              </a:spcBef>
+              <a:spcAft>
+                <a:spcPts val="1200"/>
+              </a:spcAft>
+              <a:buNone/>
+            </a:pPr>
+            <a:br>
+              <a:rPr lang="es"/>
+            </a:br>
+            <a:endParaRPr/>
           </a:p>
         </p:txBody>
       </p:sp>
